--- a/slide/Forecasting Time-Varying Reactive Power Load of Power Systems by Hierarchical Extreme Learning Machine.pptx
+++ b/slide/Forecasting Time-Varying Reactive Power Load of Power Systems by Hierarchical Extreme Learning Machine.pptx
@@ -23,7 +23,7 @@
     <p:sldId id="274" r:id="rId14"/>
     <p:sldId id="275" r:id="rId15"/>
     <p:sldId id="267" r:id="rId16"/>
-    <p:sldId id="261" r:id="rId17"/>
+    <p:sldId id="278" r:id="rId17"/>
     <p:sldId id="262" r:id="rId18"/>
     <p:sldId id="258" r:id="rId19"/>
     <p:sldId id="259" r:id="rId20"/>
@@ -215,7 +215,7 @@
           <a:p>
             <a:fld id="{D5842399-0242-074A-A62A-3633F6585835}" type="datetimeFigureOut">
               <a:rPr lang="en-US" smtClean="0"/>
-              <a:t>8/8/17</a:t>
+              <a:t>8/22/17</a:t>
             </a:fld>
             <a:endParaRPr lang="en-US"/>
           </a:p>
@@ -1861,195 +1861,6 @@
           <a:p>
             <a:fld id="{071FF34B-FD6A-DA47-969A-A5284DB7CD72}" type="slidenum">
               <a:rPr kumimoji="1" lang="ko-KR" altLang="en-US" smtClean="0"/>
-              <a:t>16</a:t>
-            </a:fld>
-            <a:endParaRPr kumimoji="1" lang="ko-KR" altLang="en-US"/>
-          </a:p>
-        </p:txBody>
-      </p:sp>
-    </p:spTree>
-    <p:extLst>
-      <p:ext uri="{BB962C8B-B14F-4D97-AF65-F5344CB8AC3E}">
-        <p14:creationId xmlns:p14="http://schemas.microsoft.com/office/powerpoint/2010/main" val="1548356734"/>
-      </p:ext>
-    </p:extLst>
-  </p:cSld>
-  <p:clrMapOvr>
-    <a:masterClrMapping/>
-  </p:clrMapOvr>
-</p:notes>
-</file>
-
-<file path=ppt/notesSlides/notesSlide9.xml><?xml version="1.0" encoding="utf-8"?>
-<p:notes xmlns:a="http://schemas.openxmlformats.org/drawingml/2006/main" xmlns:r="http://schemas.openxmlformats.org/officeDocument/2006/relationships" xmlns:p="http://schemas.openxmlformats.org/presentationml/2006/main">
-  <p:cSld>
-    <p:spTree>
-      <p:nvGrpSpPr>
-        <p:cNvPr id="1" name=""/>
-        <p:cNvGrpSpPr/>
-        <p:nvPr/>
-      </p:nvGrpSpPr>
-      <p:grpSpPr>
-        <a:xfrm>
-          <a:off x="0" y="0"/>
-          <a:ext cx="0" cy="0"/>
-          <a:chOff x="0" y="0"/>
-          <a:chExt cx="0" cy="0"/>
-        </a:xfrm>
-      </p:grpSpPr>
-      <p:sp>
-        <p:nvSpPr>
-          <p:cNvPr id="2" name="슬라이드 이미지 개체 틀 1"/>
-          <p:cNvSpPr>
-            <a:spLocks noGrp="1" noRot="1" noChangeAspect="1"/>
-          </p:cNvSpPr>
-          <p:nvPr>
-            <p:ph type="sldImg"/>
-          </p:nvPr>
-        </p:nvSpPr>
-        <p:spPr/>
-      </p:sp>
-      <p:sp>
-        <p:nvSpPr>
-          <p:cNvPr id="3" name="슬라이드 노트 개체 틀 2"/>
-          <p:cNvSpPr>
-            <a:spLocks noGrp="1"/>
-          </p:cNvSpPr>
-          <p:nvPr>
-            <p:ph type="body" idx="1"/>
-          </p:nvPr>
-        </p:nvSpPr>
-        <p:spPr/>
-        <p:txBody>
-          <a:bodyPr/>
-          <a:lstStyle/>
-          <a:p>
-            <a:r>
-              <a:rPr lang="en-US" sz="1200" kern="1200" dirty="0" smtClean="0">
-                <a:solidFill>
-                  <a:schemeClr val="tx1"/>
-                </a:solidFill>
-                <a:effectLst/>
-                <a:latin typeface="+mn-lt"/>
-                <a:ea typeface="+mn-ea"/>
-                <a:cs typeface="+mn-cs"/>
-              </a:rPr>
-              <a:t>ELM is completely different from traditional iterative learning algorithms </a:t>
-            </a:r>
-          </a:p>
-          <a:p>
-            <a:r>
-              <a:rPr lang="en-US" sz="1200" kern="1200" dirty="0" smtClean="0">
-                <a:solidFill>
-                  <a:schemeClr val="tx1"/>
-                </a:solidFill>
-                <a:effectLst/>
-                <a:latin typeface="+mn-lt"/>
-                <a:ea typeface="+mn-ea"/>
-                <a:cs typeface="+mn-cs"/>
-              </a:rPr>
-              <a:t>as it randomly selects the input weights and biases for hidden nodes, </a:t>
-            </a:r>
-          </a:p>
-          <a:p>
-            <a:r>
-              <a:rPr lang="en-US" sz="1200" kern="1200" dirty="0" err="1" smtClean="0">
-                <a:solidFill>
-                  <a:schemeClr val="tx1"/>
-                </a:solidFill>
-                <a:effectLst/>
-                <a:latin typeface="+mn-lt"/>
-                <a:ea typeface="+mn-ea"/>
-                <a:cs typeface="+mn-cs"/>
-              </a:rPr>
-              <a:t>ω</a:t>
-            </a:r>
-            <a:r>
-              <a:rPr lang="en-US" sz="1200" kern="1200" dirty="0" smtClean="0">
-                <a:solidFill>
-                  <a:schemeClr val="tx1"/>
-                </a:solidFill>
-                <a:effectLst/>
-                <a:latin typeface="+mn-lt"/>
-                <a:ea typeface="+mn-ea"/>
-                <a:cs typeface="+mn-cs"/>
-              </a:rPr>
-              <a:t> and b and analytically calculates the output weights, β, by finding least-square solution [8]. </a:t>
-            </a:r>
-          </a:p>
-          <a:p>
-            <a:endParaRPr lang="en-US" sz="1200" kern="1200" dirty="0" smtClean="0">
-              <a:solidFill>
-                <a:schemeClr val="tx1"/>
-              </a:solidFill>
-              <a:effectLst/>
-              <a:latin typeface="+mn-lt"/>
-              <a:ea typeface="+mn-ea"/>
-              <a:cs typeface="+mn-cs"/>
-            </a:endParaRPr>
-          </a:p>
-          <a:p>
-            <a:pPr marL="0" marR="0" indent="0" algn="l" defTabSz="914400" rtl="0" eaLnBrk="1" fontAlgn="auto" latinLnBrk="0" hangingPunct="1">
-              <a:lnSpc>
-                <a:spcPct val="100000"/>
-              </a:lnSpc>
-              <a:spcBef>
-                <a:spcPts val="0"/>
-              </a:spcBef>
-              <a:spcAft>
-                <a:spcPts val="0"/>
-              </a:spcAft>
-              <a:buClrTx/>
-              <a:buSzTx/>
-              <a:buFontTx/>
-              <a:buNone/>
-              <a:tabLst/>
-              <a:defRPr/>
-            </a:pPr>
-            <a:r>
-              <a:rPr lang="en-US" sz="1200" kern="1200" dirty="0" smtClean="0">
-                <a:solidFill>
-                  <a:schemeClr val="tx1"/>
-                </a:solidFill>
-                <a:effectLst/>
-                <a:latin typeface="+mn-lt"/>
-                <a:ea typeface="+mn-ea"/>
-                <a:cs typeface="+mn-cs"/>
-              </a:rPr>
-              <a:t>once ELM parameters of hidden layers of the ELM are generated randomly, it does not need to be tuned. Therefore, its training speed can be thousands of times faster [3]. </a:t>
-            </a:r>
-            <a:endParaRPr lang="en-US" dirty="0" smtClean="0"/>
-          </a:p>
-          <a:p>
-            <a:endParaRPr lang="en-US" sz="1200" kern="1200" dirty="0" smtClean="0">
-              <a:solidFill>
-                <a:schemeClr val="tx1"/>
-              </a:solidFill>
-              <a:effectLst/>
-              <a:latin typeface="+mn-lt"/>
-              <a:ea typeface="+mn-ea"/>
-              <a:cs typeface="+mn-cs"/>
-            </a:endParaRPr>
-          </a:p>
-        </p:txBody>
-      </p:sp>
-      <p:sp>
-        <p:nvSpPr>
-          <p:cNvPr id="4" name="슬라이드 번호 개체 틀 3"/>
-          <p:cNvSpPr>
-            <a:spLocks noGrp="1"/>
-          </p:cNvSpPr>
-          <p:nvPr>
-            <p:ph type="sldNum" sz="quarter" idx="10"/>
-          </p:nvPr>
-        </p:nvSpPr>
-        <p:spPr/>
-        <p:txBody>
-          <a:bodyPr/>
-          <a:lstStyle/>
-          <a:p>
-            <a:fld id="{071FF34B-FD6A-DA47-969A-A5284DB7CD72}" type="slidenum">
-              <a:rPr kumimoji="1" lang="ko-KR" altLang="en-US" smtClean="0"/>
               <a:t>19</a:t>
             </a:fld>
             <a:endParaRPr kumimoji="1" lang="ko-KR" altLang="en-US"/>
@@ -2200,7 +2011,7 @@
           <a:p>
             <a:fld id="{423B92BC-08BF-6548-B02A-779A178E3755}" type="datetimeFigureOut">
               <a:rPr lang="en-US" smtClean="0"/>
-              <a:t>8/8/17</a:t>
+              <a:t>8/22/17</a:t>
             </a:fld>
             <a:endParaRPr lang="en-US"/>
           </a:p>
@@ -2370,7 +2181,7 @@
           <a:p>
             <a:fld id="{423B92BC-08BF-6548-B02A-779A178E3755}" type="datetimeFigureOut">
               <a:rPr lang="en-US" smtClean="0"/>
-              <a:t>8/8/17</a:t>
+              <a:t>8/22/17</a:t>
             </a:fld>
             <a:endParaRPr lang="en-US"/>
           </a:p>
@@ -2550,7 +2361,7 @@
           <a:p>
             <a:fld id="{423B92BC-08BF-6548-B02A-779A178E3755}" type="datetimeFigureOut">
               <a:rPr lang="en-US" smtClean="0"/>
-              <a:t>8/8/17</a:t>
+              <a:t>8/22/17</a:t>
             </a:fld>
             <a:endParaRPr lang="en-US"/>
           </a:p>
@@ -2720,7 +2531,7 @@
           <a:p>
             <a:fld id="{423B92BC-08BF-6548-B02A-779A178E3755}" type="datetimeFigureOut">
               <a:rPr lang="en-US" smtClean="0"/>
-              <a:t>8/8/17</a:t>
+              <a:t>8/22/17</a:t>
             </a:fld>
             <a:endParaRPr lang="en-US"/>
           </a:p>
@@ -2966,7 +2777,7 @@
           <a:p>
             <a:fld id="{423B92BC-08BF-6548-B02A-779A178E3755}" type="datetimeFigureOut">
               <a:rPr lang="en-US" smtClean="0"/>
-              <a:t>8/8/17</a:t>
+              <a:t>8/22/17</a:t>
             </a:fld>
             <a:endParaRPr lang="en-US"/>
           </a:p>
@@ -3198,7 +3009,7 @@
           <a:p>
             <a:fld id="{423B92BC-08BF-6548-B02A-779A178E3755}" type="datetimeFigureOut">
               <a:rPr lang="en-US" smtClean="0"/>
-              <a:t>8/8/17</a:t>
+              <a:t>8/22/17</a:t>
             </a:fld>
             <a:endParaRPr lang="en-US"/>
           </a:p>
@@ -3565,7 +3376,7 @@
           <a:p>
             <a:fld id="{423B92BC-08BF-6548-B02A-779A178E3755}" type="datetimeFigureOut">
               <a:rPr lang="en-US" smtClean="0"/>
-              <a:t>8/8/17</a:t>
+              <a:t>8/22/17</a:t>
             </a:fld>
             <a:endParaRPr lang="en-US"/>
           </a:p>
@@ -3683,7 +3494,7 @@
           <a:p>
             <a:fld id="{423B92BC-08BF-6548-B02A-779A178E3755}" type="datetimeFigureOut">
               <a:rPr lang="en-US" smtClean="0"/>
-              <a:t>8/8/17</a:t>
+              <a:t>8/22/17</a:t>
             </a:fld>
             <a:endParaRPr lang="en-US"/>
           </a:p>
@@ -3778,7 +3589,7 @@
           <a:p>
             <a:fld id="{423B92BC-08BF-6548-B02A-779A178E3755}" type="datetimeFigureOut">
               <a:rPr lang="en-US" smtClean="0"/>
-              <a:t>8/8/17</a:t>
+              <a:t>8/22/17</a:t>
             </a:fld>
             <a:endParaRPr lang="en-US"/>
           </a:p>
@@ -4055,7 +3866,7 @@
           <a:p>
             <a:fld id="{423B92BC-08BF-6548-B02A-779A178E3755}" type="datetimeFigureOut">
               <a:rPr lang="en-US" smtClean="0"/>
-              <a:t>8/8/17</a:t>
+              <a:t>8/22/17</a:t>
             </a:fld>
             <a:endParaRPr lang="en-US"/>
           </a:p>
@@ -4308,7 +4119,7 @@
           <a:p>
             <a:fld id="{423B92BC-08BF-6548-B02A-779A178E3755}" type="datetimeFigureOut">
               <a:rPr lang="en-US" smtClean="0"/>
-              <a:t>8/8/17</a:t>
+              <a:t>8/22/17</a:t>
             </a:fld>
             <a:endParaRPr lang="en-US"/>
           </a:p>
@@ -4521,7 +4332,7 @@
           <a:p>
             <a:fld id="{423B92BC-08BF-6548-B02A-779A178E3755}" type="datetimeFigureOut">
               <a:rPr lang="en-US" smtClean="0"/>
-              <a:t>8/8/17</a:t>
+              <a:t>8/22/17</a:t>
             </a:fld>
             <a:endParaRPr lang="en-US"/>
           </a:p>
@@ -6478,29 +6289,7 @@
                 <a:ea typeface="Arial" charset="0"/>
                 <a:cs typeface="Arial" charset="0"/>
               </a:rPr>
-              <a:t>H-ELM vs. </a:t>
-            </a:r>
-            <a:r>
-              <a:rPr kumimoji="1" lang="en-US" altLang="ko-KR" dirty="0" err="1">
-                <a:solidFill>
-                  <a:srgbClr val="FF0000"/>
-                </a:solidFill>
-                <a:latin typeface="Arial" charset="0"/>
-                <a:ea typeface="Arial" charset="0"/>
-                <a:cs typeface="Arial" charset="0"/>
-              </a:rPr>
-              <a:t>S</a:t>
-            </a:r>
-            <a:r>
-              <a:rPr kumimoji="1" lang="en-US" altLang="ko-KR" dirty="0" err="1" smtClean="0">
-                <a:solidFill>
-                  <a:srgbClr val="FF0000"/>
-                </a:solidFill>
-                <a:latin typeface="Arial" charset="0"/>
-                <a:ea typeface="Arial" charset="0"/>
-                <a:cs typeface="Arial" charset="0"/>
-              </a:rPr>
-              <a:t>aDE</a:t>
+              <a:t>H-ELM </a:t>
             </a:r>
             <a:r>
               <a:rPr kumimoji="1" lang="en-US" altLang="ko-KR" dirty="0" smtClean="0">
@@ -6508,7 +6297,7 @@
                 <a:ea typeface="Arial" charset="0"/>
                 <a:cs typeface="Arial" charset="0"/>
               </a:rPr>
-              <a:t> vs. ELM</a:t>
+              <a:t>vs. ELM</a:t>
             </a:r>
             <a:endParaRPr kumimoji="1" lang="ko-KR" altLang="en-US" dirty="0">
               <a:latin typeface="Arial" charset="0"/>
@@ -6748,7 +6537,15 @@
           </a:bodyPr>
           <a:lstStyle/>
           <a:p>
-            <a:endParaRPr kumimoji="1" lang="ko-KR" altLang="en-US" dirty="0">
+            <a:r>
+              <a:rPr kumimoji="1" lang="en-US" altLang="ko-KR" b="1" dirty="0">
+                <a:latin typeface="Arial" charset="0"/>
+                <a:ea typeface="Arial" charset="0"/>
+                <a:cs typeface="Arial" charset="0"/>
+              </a:rPr>
+              <a:t>Problems of this experiment</a:t>
+            </a:r>
+            <a:endParaRPr kumimoji="1" lang="ko-KR" altLang="en-US" b="1" dirty="0">
               <a:latin typeface="Arial" charset="0"/>
               <a:ea typeface="Arial" charset="0"/>
               <a:cs typeface="Arial" charset="0"/>
@@ -6773,10 +6570,20 @@
           </a:xfrm>
         </p:spPr>
         <p:txBody>
-          <a:bodyPr/>
-          <a:lstStyle/>
-          <a:p>
-            <a:endParaRPr kumimoji="1" lang="ko-KR" altLang="en-US" dirty="0">
+          <a:bodyPr>
+            <a:normAutofit/>
+          </a:bodyPr>
+          <a:lstStyle/>
+          <a:p>
+            <a:r>
+              <a:rPr kumimoji="1" lang="en-US" altLang="ko-KR" b="1">
+                <a:latin typeface="Arial" charset="0"/>
+                <a:ea typeface="Arial" charset="0"/>
+                <a:cs typeface="Arial" charset="0"/>
+              </a:rPr>
+              <a:t>The number of data samples for forecasting is too low</a:t>
+            </a:r>
+            <a:endParaRPr kumimoji="1" lang="ko-KR" altLang="en-US" b="1" dirty="0">
               <a:latin typeface="Arial" charset="0"/>
               <a:ea typeface="Arial" charset="0"/>
               <a:cs typeface="Arial" charset="0"/>
@@ -6798,14 +6605,7 @@
           <a:prstGeom prst="line">
             <a:avLst/>
           </a:prstGeom>
-          <a:ln w="40132" cmpd="sng">
-            <a:solidFill>
-              <a:schemeClr val="accent1">
-                <a:lumMod val="60000"/>
-                <a:lumOff val="40000"/>
-              </a:schemeClr>
-            </a:solidFill>
-          </a:ln>
+          <a:ln w="77851" cmpd="tri"/>
         </p:spPr>
         <p:style>
           <a:lnRef idx="1">
@@ -6825,13 +6625,20 @@
     </p:spTree>
     <p:extLst>
       <p:ext uri="{BB962C8B-B14F-4D97-AF65-F5344CB8AC3E}">
-        <p14:creationId xmlns:p14="http://schemas.microsoft.com/office/powerpoint/2010/main" val="1251246994"/>
+        <p14:creationId xmlns:p14="http://schemas.microsoft.com/office/powerpoint/2010/main" val="1466687975"/>
       </p:ext>
     </p:extLst>
   </p:cSld>
   <p:clrMapOvr>
     <a:masterClrMapping/>
   </p:clrMapOvr>
+  <p:timing>
+    <p:tnLst>
+      <p:par>
+        <p:cTn id="1" dur="indefinite" restart="never" nodeType="tmRoot"/>
+      </p:par>
+    </p:tnLst>
+  </p:timing>
 </p:sld>
 </file>
 
